--- a/all_thoughts.pptx
+++ b/all_thoughts.pptx
@@ -5,7 +5,7 @@
     <p:sldMasterId id="2147483648" r:id="rId1"/>
   </p:sldMasterIdLst>
   <p:notesMasterIdLst>
-    <p:notesMasterId r:id="rId45"/>
+    <p:notesMasterId r:id="rId51"/>
   </p:notesMasterIdLst>
   <p:sldIdLst>
     <p:sldId id="278" r:id="rId2"/>
@@ -45,12 +45,18 @@
     <p:sldId id="283" r:id="rId36"/>
     <p:sldId id="287" r:id="rId37"/>
     <p:sldId id="302" r:id="rId38"/>
-    <p:sldId id="303" r:id="rId39"/>
-    <p:sldId id="304" r:id="rId40"/>
-    <p:sldId id="305" r:id="rId41"/>
-    <p:sldId id="308" r:id="rId42"/>
-    <p:sldId id="313" r:id="rId43"/>
-    <p:sldId id="312" r:id="rId44"/>
+    <p:sldId id="318" r:id="rId39"/>
+    <p:sldId id="303" r:id="rId40"/>
+    <p:sldId id="304" r:id="rId41"/>
+    <p:sldId id="305" r:id="rId42"/>
+    <p:sldId id="308" r:id="rId43"/>
+    <p:sldId id="313" r:id="rId44"/>
+    <p:sldId id="312" r:id="rId45"/>
+    <p:sldId id="314" r:id="rId46"/>
+    <p:sldId id="315" r:id="rId47"/>
+    <p:sldId id="316" r:id="rId48"/>
+    <p:sldId id="317" r:id="rId49"/>
+    <p:sldId id="319" r:id="rId50"/>
   </p:sldIdLst>
   <p:sldSz cx="12192000" cy="6858000"/>
   <p:notesSz cx="6858000" cy="9144000"/>
@@ -207,12 +213,18 @@
             <p14:sldId id="283"/>
             <p14:sldId id="287"/>
             <p14:sldId id="302"/>
+            <p14:sldId id="318"/>
             <p14:sldId id="303"/>
             <p14:sldId id="304"/>
             <p14:sldId id="305"/>
             <p14:sldId id="308"/>
             <p14:sldId id="313"/>
             <p14:sldId id="312"/>
+            <p14:sldId id="314"/>
+            <p14:sldId id="315"/>
+            <p14:sldId id="316"/>
+            <p14:sldId id="317"/>
+            <p14:sldId id="319"/>
           </p14:sldIdLst>
         </p14:section>
       </p14:sectionLst>
@@ -306,7 +318,7 @@
           <a:p>
             <a:fld id="{1CD59A06-11A5-454E-AA88-0B7D51F31492}" type="datetimeFigureOut">
               <a:rPr lang="zh-CN" altLang="en-US" smtClean="0"/>
-              <a:t>2020/4/9</a:t>
+              <a:t>2020/5/15</a:t>
             </a:fld>
             <a:endParaRPr lang="zh-CN" altLang="en-US"/>
           </a:p>
@@ -793,7 +805,7 @@
           <a:p>
             <a:fld id="{447628B2-959A-49D0-80D2-B591B82B77AD}" type="datetimeFigureOut">
               <a:rPr lang="zh-CN" altLang="en-US" smtClean="0"/>
-              <a:t>2020/4/9</a:t>
+              <a:t>2020/5/15</a:t>
             </a:fld>
             <a:endParaRPr lang="zh-CN" altLang="en-US"/>
           </a:p>
@@ -963,7 +975,7 @@
           <a:p>
             <a:fld id="{447628B2-959A-49D0-80D2-B591B82B77AD}" type="datetimeFigureOut">
               <a:rPr lang="zh-CN" altLang="en-US" smtClean="0"/>
-              <a:t>2020/4/9</a:t>
+              <a:t>2020/5/15</a:t>
             </a:fld>
             <a:endParaRPr lang="zh-CN" altLang="en-US"/>
           </a:p>
@@ -1143,7 +1155,7 @@
           <a:p>
             <a:fld id="{447628B2-959A-49D0-80D2-B591B82B77AD}" type="datetimeFigureOut">
               <a:rPr lang="zh-CN" altLang="en-US" smtClean="0"/>
-              <a:t>2020/4/9</a:t>
+              <a:t>2020/5/15</a:t>
             </a:fld>
             <a:endParaRPr lang="zh-CN" altLang="en-US"/>
           </a:p>
@@ -1313,7 +1325,7 @@
           <a:p>
             <a:fld id="{447628B2-959A-49D0-80D2-B591B82B77AD}" type="datetimeFigureOut">
               <a:rPr lang="zh-CN" altLang="en-US" smtClean="0"/>
-              <a:t>2020/4/9</a:t>
+              <a:t>2020/5/15</a:t>
             </a:fld>
             <a:endParaRPr lang="zh-CN" altLang="en-US"/>
           </a:p>
@@ -1559,7 +1571,7 @@
           <a:p>
             <a:fld id="{447628B2-959A-49D0-80D2-B591B82B77AD}" type="datetimeFigureOut">
               <a:rPr lang="zh-CN" altLang="en-US" smtClean="0"/>
-              <a:t>2020/4/9</a:t>
+              <a:t>2020/5/15</a:t>
             </a:fld>
             <a:endParaRPr lang="zh-CN" altLang="en-US"/>
           </a:p>
@@ -1791,7 +1803,7 @@
           <a:p>
             <a:fld id="{447628B2-959A-49D0-80D2-B591B82B77AD}" type="datetimeFigureOut">
               <a:rPr lang="zh-CN" altLang="en-US" smtClean="0"/>
-              <a:t>2020/4/9</a:t>
+              <a:t>2020/5/15</a:t>
             </a:fld>
             <a:endParaRPr lang="zh-CN" altLang="en-US"/>
           </a:p>
@@ -2158,7 +2170,7 @@
           <a:p>
             <a:fld id="{447628B2-959A-49D0-80D2-B591B82B77AD}" type="datetimeFigureOut">
               <a:rPr lang="zh-CN" altLang="en-US" smtClean="0"/>
-              <a:t>2020/4/9</a:t>
+              <a:t>2020/5/15</a:t>
             </a:fld>
             <a:endParaRPr lang="zh-CN" altLang="en-US"/>
           </a:p>
@@ -2276,7 +2288,7 @@
           <a:p>
             <a:fld id="{447628B2-959A-49D0-80D2-B591B82B77AD}" type="datetimeFigureOut">
               <a:rPr lang="zh-CN" altLang="en-US" smtClean="0"/>
-              <a:t>2020/4/9</a:t>
+              <a:t>2020/5/15</a:t>
             </a:fld>
             <a:endParaRPr lang="zh-CN" altLang="en-US"/>
           </a:p>
@@ -2371,7 +2383,7 @@
           <a:p>
             <a:fld id="{447628B2-959A-49D0-80D2-B591B82B77AD}" type="datetimeFigureOut">
               <a:rPr lang="zh-CN" altLang="en-US" smtClean="0"/>
-              <a:t>2020/4/9</a:t>
+              <a:t>2020/5/15</a:t>
             </a:fld>
             <a:endParaRPr lang="zh-CN" altLang="en-US"/>
           </a:p>
@@ -2648,7 +2660,7 @@
           <a:p>
             <a:fld id="{447628B2-959A-49D0-80D2-B591B82B77AD}" type="datetimeFigureOut">
               <a:rPr lang="zh-CN" altLang="en-US" smtClean="0"/>
-              <a:t>2020/4/9</a:t>
+              <a:t>2020/5/15</a:t>
             </a:fld>
             <a:endParaRPr lang="zh-CN" altLang="en-US"/>
           </a:p>
@@ -2901,7 +2913,7 @@
           <a:p>
             <a:fld id="{447628B2-959A-49D0-80D2-B591B82B77AD}" type="datetimeFigureOut">
               <a:rPr lang="zh-CN" altLang="en-US" smtClean="0"/>
-              <a:t>2020/4/9</a:t>
+              <a:t>2020/5/15</a:t>
             </a:fld>
             <a:endParaRPr lang="zh-CN" altLang="en-US"/>
           </a:p>
@@ -3114,7 +3126,7 @@
           <a:p>
             <a:fld id="{447628B2-959A-49D0-80D2-B591B82B77AD}" type="datetimeFigureOut">
               <a:rPr lang="zh-CN" altLang="en-US" smtClean="0"/>
-              <a:t>2020/4/9</a:t>
+              <a:t>2020/5/15</a:t>
             </a:fld>
             <a:endParaRPr lang="zh-CN" altLang="en-US"/>
           </a:p>
@@ -11157,6 +11169,214 @@
           <a:lstStyle/>
           <a:p>
             <a:r>
+              <a:rPr lang="en-US" altLang="zh-CN" dirty="0"/>
+              <a:t>【</a:t>
+            </a:r>
+            <a:r>
+              <a:rPr lang="zh-CN" altLang="en-US" dirty="0"/>
+              <a:t>文章内容</a:t>
+            </a:r>
+            <a:r>
+              <a:rPr lang="en-US" altLang="zh-CN" dirty="0"/>
+              <a:t>】Deep Bayesian Self Training</a:t>
+            </a:r>
+            <a:endParaRPr lang="zh-CN" altLang="en-US" dirty="0"/>
+          </a:p>
+        </p:txBody>
+      </p:sp>
+      <p:sp>
+        <p:nvSpPr>
+          <p:cNvPr id="3" name="内容占位符 2"/>
+          <p:cNvSpPr>
+            <a:spLocks noGrp="1"/>
+          </p:cNvSpPr>
+          <p:nvPr>
+            <p:ph idx="1"/>
+          </p:nvPr>
+        </p:nvSpPr>
+        <p:spPr/>
+        <p:txBody>
+          <a:bodyPr>
+            <a:normAutofit fontScale="92500" lnSpcReduction="20000"/>
+          </a:bodyPr>
+          <a:lstStyle/>
+          <a:p>
+            <a:r>
+              <a:rPr lang="zh-CN" altLang="en-US" dirty="0"/>
+              <a:t>自训练和</a:t>
+            </a:r>
+            <a:r>
+              <a:rPr lang="en-US" altLang="zh-CN" dirty="0"/>
+              <a:t>relabeling</a:t>
+            </a:r>
+            <a:r>
+              <a:rPr lang="zh-CN" altLang="en-US" dirty="0"/>
+              <a:t>其实很相似，只不过不是从某个</a:t>
+            </a:r>
+            <a:r>
+              <a:rPr lang="en-US" altLang="zh-CN" dirty="0"/>
+              <a:t>class</a:t>
+            </a:r>
+            <a:r>
+              <a:rPr lang="zh-CN" altLang="en-US" dirty="0"/>
+              <a:t>变到另一个，而是从</a:t>
+            </a:r>
+            <a:r>
+              <a:rPr lang="en-US" altLang="zh-CN" dirty="0"/>
+              <a:t>unlabeled</a:t>
+            </a:r>
+            <a:r>
+              <a:rPr lang="zh-CN" altLang="en-US" dirty="0"/>
+              <a:t>变到某个特定的</a:t>
+            </a:r>
+            <a:r>
+              <a:rPr lang="en-US" altLang="zh-CN" dirty="0"/>
+              <a:t>pseudo label class</a:t>
+            </a:r>
+            <a:r>
+              <a:rPr lang="zh-CN" altLang="en-US" dirty="0"/>
+              <a:t>。他那里确实就是后面会给不确定的分配更大权重：</a:t>
+            </a:r>
+            <a:r>
+              <a:rPr lang="en-US" altLang="zh-CN" dirty="0"/>
+              <a:t>incrementally forcing exploration </a:t>
+            </a:r>
+            <a:r>
+              <a:rPr lang="en-US" altLang="zh-CN" dirty="0"/>
+              <a:t/>
+            </a:r>
+            <a:br>
+              <a:rPr lang="en-US" altLang="zh-CN" dirty="0"/>
+            </a:br>
+            <a:r>
+              <a:rPr lang="en-US" altLang="zh-CN" dirty="0"/>
+              <a:t>by adding more uncertain, and potentially informative </a:t>
+            </a:r>
+            <a:r>
+              <a:rPr lang="en-US" altLang="zh-CN" dirty="0"/>
+              <a:t/>
+            </a:r>
+            <a:br>
+              <a:rPr lang="en-US" altLang="zh-CN" dirty="0"/>
+            </a:br>
+            <a:r>
+              <a:rPr lang="en-US" altLang="zh-CN" dirty="0"/>
+              <a:t>samples, to the training set</a:t>
+            </a:r>
+            <a:r>
+              <a:rPr lang="zh-CN" altLang="en-US" dirty="0"/>
+              <a:t>。然而，他那里是这样训的，两个部分轮流来，第一部分在</a:t>
+            </a:r>
+            <a:r>
+              <a:rPr lang="en-US" altLang="zh-CN" dirty="0"/>
+              <a:t>labeled</a:t>
+            </a:r>
+            <a:r>
+              <a:rPr lang="zh-CN" altLang="en-US" dirty="0"/>
+              <a:t>数据上训网络，第二部分用训的网络挑最自信的</a:t>
+            </a:r>
+            <a:r>
+              <a:rPr lang="en-US" altLang="zh-CN" dirty="0" err="1"/>
+              <a:t>unlabel</a:t>
+            </a:r>
+            <a:r>
+              <a:rPr lang="en-US" altLang="zh-CN" dirty="0"/>
+              <a:t> data</a:t>
+            </a:r>
+            <a:r>
+              <a:rPr lang="zh-CN" altLang="en-US" dirty="0"/>
+              <a:t>放到</a:t>
+            </a:r>
+            <a:r>
+              <a:rPr lang="en-US" altLang="zh-CN" dirty="0"/>
+              <a:t>labeled</a:t>
+            </a:r>
+            <a:r>
+              <a:rPr lang="zh-CN" altLang="en-US" dirty="0"/>
+              <a:t>里面，每次放的标准就是</a:t>
+            </a:r>
+            <a:r>
+              <a:rPr lang="en-US" altLang="zh-CN" dirty="0"/>
+              <a:t>uncertainty</a:t>
+            </a:r>
+            <a:r>
+              <a:rPr lang="zh-CN" altLang="en-US" dirty="0"/>
+              <a:t>的阈值。也就是说，和我们的想法不同在于我们是在一个训练过程中可能会不停变换</a:t>
+            </a:r>
+            <a:r>
+              <a:rPr lang="en-US" altLang="zh-CN" dirty="0"/>
+              <a:t>label</a:t>
+            </a:r>
+            <a:r>
+              <a:rPr lang="zh-CN" altLang="en-US" dirty="0"/>
+              <a:t>，但是他们是在几个训练的过程之间变，训练中是不变的，我怎么觉得好像</a:t>
+            </a:r>
+            <a:r>
+              <a:rPr lang="en-US" altLang="zh-CN" dirty="0"/>
+              <a:t>relabel</a:t>
+            </a:r>
+            <a:r>
+              <a:rPr lang="zh-CN" altLang="en-US" dirty="0"/>
+              <a:t>应该借鉴他们的方法来做，因为之前我也感觉好像在一个训练过程中来回变不太靠谱。。但是我们和他的不同点在于，它理想情况下的</a:t>
+            </a:r>
+            <a:r>
+              <a:rPr lang="en-US" altLang="zh-CN" dirty="0"/>
+              <a:t>labeled</a:t>
+            </a:r>
+            <a:r>
+              <a:rPr lang="zh-CN" altLang="en-US" dirty="0"/>
+              <a:t>的数据几乎都是无噪音的，因为原本没噪音，自己加进去的都是置信度很高的，然而我们如果训练过程中不随时变化的话我们可能会加深原本数据中那些噪音的错误</a:t>
+            </a:r>
+            <a:endParaRPr lang="zh-CN" altLang="en-US" dirty="0"/>
+          </a:p>
+        </p:txBody>
+      </p:sp>
+    </p:spTree>
+    <p:extLst>
+      <p:ext uri="{BB962C8B-B14F-4D97-AF65-F5344CB8AC3E}">
+        <p14:creationId xmlns:p14="http://schemas.microsoft.com/office/powerpoint/2010/main" val="2786703038"/>
+      </p:ext>
+    </p:extLst>
+  </p:cSld>
+  <p:clrMapOvr>
+    <a:masterClrMapping/>
+  </p:clrMapOvr>
+</p:sld>
+</file>
+
+<file path=ppt/slides/slide39.xml><?xml version="1.0" encoding="utf-8"?>
+<p:sld xmlns:a="http://schemas.openxmlformats.org/drawingml/2006/main" xmlns:r="http://schemas.openxmlformats.org/officeDocument/2006/relationships" xmlns:p="http://schemas.openxmlformats.org/presentationml/2006/main">
+  <p:cSld>
+    <p:spTree>
+      <p:nvGrpSpPr>
+        <p:cNvPr id="1" name=""/>
+        <p:cNvGrpSpPr/>
+        <p:nvPr/>
+      </p:nvGrpSpPr>
+      <p:grpSpPr>
+        <a:xfrm>
+          <a:off x="0" y="0"/>
+          <a:ext cx="0" cy="0"/>
+          <a:chOff x="0" y="0"/>
+          <a:chExt cx="0" cy="0"/>
+        </a:xfrm>
+      </p:grpSpPr>
+      <p:sp>
+        <p:nvSpPr>
+          <p:cNvPr id="2" name="标题 1"/>
+          <p:cNvSpPr>
+            <a:spLocks noGrp="1"/>
+          </p:cNvSpPr>
+          <p:nvPr>
+            <p:ph type="title"/>
+          </p:nvPr>
+        </p:nvSpPr>
+        <p:spPr/>
+        <p:txBody>
+          <a:bodyPr/>
+          <a:lstStyle/>
+          <a:p>
+            <a:r>
               <a:rPr lang="en-US" altLang="zh-CN" dirty="0" smtClean="0"/>
               <a:t>【</a:t>
             </a:r>
@@ -11357,7 +11577,151 @@
 </p:sld>
 </file>
 
-<file path=ppt/slides/slide39.xml><?xml version="1.0" encoding="utf-8"?>
+<file path=ppt/slides/slide4.xml><?xml version="1.0" encoding="utf-8"?>
+<p:sld xmlns:a="http://schemas.openxmlformats.org/drawingml/2006/main" xmlns:r="http://schemas.openxmlformats.org/officeDocument/2006/relationships" xmlns:p="http://schemas.openxmlformats.org/presentationml/2006/main">
+  <p:cSld>
+    <p:spTree>
+      <p:nvGrpSpPr>
+        <p:cNvPr id="1" name=""/>
+        <p:cNvGrpSpPr/>
+        <p:nvPr/>
+      </p:nvGrpSpPr>
+      <p:grpSpPr>
+        <a:xfrm>
+          <a:off x="0" y="0"/>
+          <a:ext cx="0" cy="0"/>
+          <a:chOff x="0" y="0"/>
+          <a:chExt cx="0" cy="0"/>
+        </a:xfrm>
+      </p:grpSpPr>
+      <p:sp>
+        <p:nvSpPr>
+          <p:cNvPr id="2" name="标题 1"/>
+          <p:cNvSpPr>
+            <a:spLocks noGrp="1"/>
+          </p:cNvSpPr>
+          <p:nvPr>
+            <p:ph type="title"/>
+          </p:nvPr>
+        </p:nvSpPr>
+        <p:spPr/>
+        <p:txBody>
+          <a:bodyPr/>
+          <a:lstStyle/>
+          <a:p>
+            <a:r>
+              <a:rPr lang="zh-CN" altLang="en-US" dirty="0" smtClean="0"/>
+              <a:t>介绍</a:t>
+            </a:r>
+            <a:endParaRPr lang="zh-CN" altLang="en-US" dirty="0"/>
+          </a:p>
+        </p:txBody>
+      </p:sp>
+      <p:pic>
+        <p:nvPicPr>
+          <p:cNvPr id="4" name="图片 3"/>
+          <p:cNvPicPr>
+            <a:picLocks noChangeAspect="1"/>
+          </p:cNvPicPr>
+          <p:nvPr/>
+        </p:nvPicPr>
+        <p:blipFill>
+          <a:blip r:embed="rId2"/>
+          <a:stretch>
+            <a:fillRect/>
+          </a:stretch>
+        </p:blipFill>
+        <p:spPr>
+          <a:xfrm>
+            <a:off x="5369502" y="1909745"/>
+            <a:ext cx="6822498" cy="3428391"/>
+          </a:xfrm>
+          <a:prstGeom prst="rect">
+            <a:avLst/>
+          </a:prstGeom>
+        </p:spPr>
+      </p:pic>
+      <p:sp>
+        <p:nvSpPr>
+          <p:cNvPr id="5" name="文本框 4"/>
+          <p:cNvSpPr txBox="1"/>
+          <p:nvPr/>
+        </p:nvSpPr>
+        <p:spPr>
+          <a:xfrm>
+            <a:off x="300974" y="1848471"/>
+            <a:ext cx="5068528" cy="2985433"/>
+          </a:xfrm>
+          <a:prstGeom prst="rect">
+            <a:avLst/>
+          </a:prstGeom>
+          <a:noFill/>
+        </p:spPr>
+        <p:txBody>
+          <a:bodyPr wrap="square" rtlCol="0">
+            <a:spAutoFit/>
+          </a:bodyPr>
+          <a:lstStyle/>
+          <a:p>
+            <a:r>
+              <a:rPr lang="en-US" altLang="zh-CN" sz="2400" dirty="0" smtClean="0"/>
+              <a:t>Application:</a:t>
+            </a:r>
+          </a:p>
+          <a:p>
+            <a:endParaRPr lang="en-US" altLang="zh-CN" sz="2400" dirty="0" smtClean="0"/>
+          </a:p>
+          <a:p>
+            <a:pPr marL="342900" indent="-342900">
+              <a:buFont typeface="Arial" panose="020B0604020202020204" pitchFamily="34" charset="0"/>
+              <a:buChar char="•"/>
+            </a:pPr>
+            <a:r>
+              <a:rPr lang="en-US" altLang="zh-CN" sz="2000" dirty="0" smtClean="0"/>
+              <a:t>When the confidence of neural networks is needed(active learning, automatic driving, medical diagnostics, etc.)</a:t>
+            </a:r>
+          </a:p>
+          <a:p>
+            <a:pPr marL="342900" indent="-342900">
+              <a:buFont typeface="Arial" panose="020B0604020202020204" pitchFamily="34" charset="0"/>
+              <a:buChar char="•"/>
+            </a:pPr>
+            <a:endParaRPr lang="en-US" altLang="zh-CN" sz="2000" dirty="0"/>
+          </a:p>
+          <a:p>
+            <a:pPr marL="342900" indent="-342900">
+              <a:buFont typeface="Arial" panose="020B0604020202020204" pitchFamily="34" charset="0"/>
+              <a:buChar char="•"/>
+            </a:pPr>
+            <a:endParaRPr lang="en-US" altLang="zh-CN" sz="2000" dirty="0" smtClean="0"/>
+          </a:p>
+          <a:p>
+            <a:pPr marL="342900" indent="-342900">
+              <a:buFont typeface="Arial" panose="020B0604020202020204" pitchFamily="34" charset="0"/>
+              <a:buChar char="•"/>
+            </a:pPr>
+            <a:r>
+              <a:rPr lang="en-US" altLang="zh-CN" sz="2000" dirty="0" smtClean="0"/>
+              <a:t>When data has noise and we need to mitigate their influence on training</a:t>
+            </a:r>
+            <a:endParaRPr lang="zh-CN" altLang="en-US" sz="2000" dirty="0"/>
+          </a:p>
+        </p:txBody>
+      </p:sp>
+    </p:spTree>
+    <p:extLst>
+      <p:ext uri="{BB962C8B-B14F-4D97-AF65-F5344CB8AC3E}">
+        <p14:creationId xmlns:p14="http://schemas.microsoft.com/office/powerpoint/2010/main" val="2029162728"/>
+      </p:ext>
+    </p:extLst>
+  </p:cSld>
+  <p:clrMapOvr>
+    <a:masterClrMapping/>
+  </p:clrMapOvr>
+</p:sld>
+</file>
+
+<file path=ppt/slides/slide40.xml><?xml version="1.0" encoding="utf-8"?>
 <p:sld xmlns:a="http://schemas.openxmlformats.org/drawingml/2006/main" xmlns:r="http://schemas.openxmlformats.org/officeDocument/2006/relationships" xmlns:p="http://schemas.openxmlformats.org/presentationml/2006/main">
   <p:cSld>
     <p:spTree>
@@ -11569,151 +11933,7 @@
 </p:sld>
 </file>
 
-<file path=ppt/slides/slide4.xml><?xml version="1.0" encoding="utf-8"?>
-<p:sld xmlns:a="http://schemas.openxmlformats.org/drawingml/2006/main" xmlns:r="http://schemas.openxmlformats.org/officeDocument/2006/relationships" xmlns:p="http://schemas.openxmlformats.org/presentationml/2006/main">
-  <p:cSld>
-    <p:spTree>
-      <p:nvGrpSpPr>
-        <p:cNvPr id="1" name=""/>
-        <p:cNvGrpSpPr/>
-        <p:nvPr/>
-      </p:nvGrpSpPr>
-      <p:grpSpPr>
-        <a:xfrm>
-          <a:off x="0" y="0"/>
-          <a:ext cx="0" cy="0"/>
-          <a:chOff x="0" y="0"/>
-          <a:chExt cx="0" cy="0"/>
-        </a:xfrm>
-      </p:grpSpPr>
-      <p:sp>
-        <p:nvSpPr>
-          <p:cNvPr id="2" name="标题 1"/>
-          <p:cNvSpPr>
-            <a:spLocks noGrp="1"/>
-          </p:cNvSpPr>
-          <p:nvPr>
-            <p:ph type="title"/>
-          </p:nvPr>
-        </p:nvSpPr>
-        <p:spPr/>
-        <p:txBody>
-          <a:bodyPr/>
-          <a:lstStyle/>
-          <a:p>
-            <a:r>
-              <a:rPr lang="zh-CN" altLang="en-US" dirty="0" smtClean="0"/>
-              <a:t>介绍</a:t>
-            </a:r>
-            <a:endParaRPr lang="zh-CN" altLang="en-US" dirty="0"/>
-          </a:p>
-        </p:txBody>
-      </p:sp>
-      <p:pic>
-        <p:nvPicPr>
-          <p:cNvPr id="4" name="图片 3"/>
-          <p:cNvPicPr>
-            <a:picLocks noChangeAspect="1"/>
-          </p:cNvPicPr>
-          <p:nvPr/>
-        </p:nvPicPr>
-        <p:blipFill>
-          <a:blip r:embed="rId2"/>
-          <a:stretch>
-            <a:fillRect/>
-          </a:stretch>
-        </p:blipFill>
-        <p:spPr>
-          <a:xfrm>
-            <a:off x="5369502" y="1909745"/>
-            <a:ext cx="6822498" cy="3428391"/>
-          </a:xfrm>
-          <a:prstGeom prst="rect">
-            <a:avLst/>
-          </a:prstGeom>
-        </p:spPr>
-      </p:pic>
-      <p:sp>
-        <p:nvSpPr>
-          <p:cNvPr id="5" name="文本框 4"/>
-          <p:cNvSpPr txBox="1"/>
-          <p:nvPr/>
-        </p:nvSpPr>
-        <p:spPr>
-          <a:xfrm>
-            <a:off x="300974" y="1848471"/>
-            <a:ext cx="5068528" cy="2985433"/>
-          </a:xfrm>
-          <a:prstGeom prst="rect">
-            <a:avLst/>
-          </a:prstGeom>
-          <a:noFill/>
-        </p:spPr>
-        <p:txBody>
-          <a:bodyPr wrap="square" rtlCol="0">
-            <a:spAutoFit/>
-          </a:bodyPr>
-          <a:lstStyle/>
-          <a:p>
-            <a:r>
-              <a:rPr lang="en-US" altLang="zh-CN" sz="2400" dirty="0" smtClean="0"/>
-              <a:t>Application:</a:t>
-            </a:r>
-          </a:p>
-          <a:p>
-            <a:endParaRPr lang="en-US" altLang="zh-CN" sz="2400" dirty="0" smtClean="0"/>
-          </a:p>
-          <a:p>
-            <a:pPr marL="342900" indent="-342900">
-              <a:buFont typeface="Arial" panose="020B0604020202020204" pitchFamily="34" charset="0"/>
-              <a:buChar char="•"/>
-            </a:pPr>
-            <a:r>
-              <a:rPr lang="en-US" altLang="zh-CN" sz="2000" dirty="0" smtClean="0"/>
-              <a:t>When the confidence of neural networks is needed(active learning, automatic driving, medical diagnostics, etc.)</a:t>
-            </a:r>
-          </a:p>
-          <a:p>
-            <a:pPr marL="342900" indent="-342900">
-              <a:buFont typeface="Arial" panose="020B0604020202020204" pitchFamily="34" charset="0"/>
-              <a:buChar char="•"/>
-            </a:pPr>
-            <a:endParaRPr lang="en-US" altLang="zh-CN" sz="2000" dirty="0"/>
-          </a:p>
-          <a:p>
-            <a:pPr marL="342900" indent="-342900">
-              <a:buFont typeface="Arial" panose="020B0604020202020204" pitchFamily="34" charset="0"/>
-              <a:buChar char="•"/>
-            </a:pPr>
-            <a:endParaRPr lang="en-US" altLang="zh-CN" sz="2000" dirty="0" smtClean="0"/>
-          </a:p>
-          <a:p>
-            <a:pPr marL="342900" indent="-342900">
-              <a:buFont typeface="Arial" panose="020B0604020202020204" pitchFamily="34" charset="0"/>
-              <a:buChar char="•"/>
-            </a:pPr>
-            <a:r>
-              <a:rPr lang="en-US" altLang="zh-CN" sz="2000" dirty="0" smtClean="0"/>
-              <a:t>When data has noise and we need to mitigate their influence on training</a:t>
-            </a:r>
-            <a:endParaRPr lang="zh-CN" altLang="en-US" sz="2000" dirty="0"/>
-          </a:p>
-        </p:txBody>
-      </p:sp>
-    </p:spTree>
-    <p:extLst>
-      <p:ext uri="{BB962C8B-B14F-4D97-AF65-F5344CB8AC3E}">
-        <p14:creationId xmlns:p14="http://schemas.microsoft.com/office/powerpoint/2010/main" val="2029162728"/>
-      </p:ext>
-    </p:extLst>
-  </p:cSld>
-  <p:clrMapOvr>
-    <a:masterClrMapping/>
-  </p:clrMapOvr>
-</p:sld>
-</file>
-
-<file path=ppt/slides/slide40.xml><?xml version="1.0" encoding="utf-8"?>
+<file path=ppt/slides/slide41.xml><?xml version="1.0" encoding="utf-8"?>
 <p:sld xmlns:a="http://schemas.openxmlformats.org/drawingml/2006/main" xmlns:r="http://schemas.openxmlformats.org/officeDocument/2006/relationships" xmlns:p="http://schemas.openxmlformats.org/presentationml/2006/main">
   <p:cSld>
     <p:spTree>
@@ -11941,7 +12161,7 @@
 </p:sld>
 </file>
 
-<file path=ppt/slides/slide41.xml><?xml version="1.0" encoding="utf-8"?>
+<file path=ppt/slides/slide42.xml><?xml version="1.0" encoding="utf-8"?>
 <p:sld xmlns:a="http://schemas.openxmlformats.org/drawingml/2006/main" xmlns:r="http://schemas.openxmlformats.org/officeDocument/2006/relationships" xmlns:p="http://schemas.openxmlformats.org/presentationml/2006/main">
   <p:cSld>
     <p:spTree>
@@ -12190,7 +12410,7 @@
 </p:sld>
 </file>
 
-<file path=ppt/slides/slide42.xml><?xml version="1.0" encoding="utf-8"?>
+<file path=ppt/slides/slide43.xml><?xml version="1.0" encoding="utf-8"?>
 <p:sld xmlns:a="http://schemas.openxmlformats.org/drawingml/2006/main" xmlns:r="http://schemas.openxmlformats.org/officeDocument/2006/relationships" xmlns:p="http://schemas.openxmlformats.org/presentationml/2006/main">
   <p:cSld>
     <p:spTree>
@@ -12410,7 +12630,7 @@
 </p:sld>
 </file>
 
-<file path=ppt/slides/slide43.xml><?xml version="1.0" encoding="utf-8"?>
+<file path=ppt/slides/slide44.xml><?xml version="1.0" encoding="utf-8"?>
 <p:sld xmlns:a="http://schemas.openxmlformats.org/drawingml/2006/main" xmlns:r="http://schemas.openxmlformats.org/officeDocument/2006/relationships" xmlns:p="http://schemas.openxmlformats.org/presentationml/2006/main">
   <p:cSld>
     <p:spTree>
@@ -12617,6 +12837,1079 @@
 </p:sld>
 </file>
 
+<file path=ppt/slides/slide45.xml><?xml version="1.0" encoding="utf-8"?>
+<p:sld xmlns:a="http://schemas.openxmlformats.org/drawingml/2006/main" xmlns:r="http://schemas.openxmlformats.org/officeDocument/2006/relationships" xmlns:p="http://schemas.openxmlformats.org/presentationml/2006/main">
+  <p:cSld>
+    <p:spTree>
+      <p:nvGrpSpPr>
+        <p:cNvPr id="1" name=""/>
+        <p:cNvGrpSpPr/>
+        <p:nvPr/>
+      </p:nvGrpSpPr>
+      <p:grpSpPr>
+        <a:xfrm>
+          <a:off x="0" y="0"/>
+          <a:ext cx="0" cy="0"/>
+          <a:chOff x="0" y="0"/>
+          <a:chExt cx="0" cy="0"/>
+        </a:xfrm>
+      </p:grpSpPr>
+      <p:sp>
+        <p:nvSpPr>
+          <p:cNvPr id="2" name="标题 1"/>
+          <p:cNvSpPr>
+            <a:spLocks noGrp="1"/>
+          </p:cNvSpPr>
+          <p:nvPr>
+            <p:ph type="title"/>
+          </p:nvPr>
+        </p:nvSpPr>
+        <p:spPr/>
+        <p:txBody>
+          <a:bodyPr/>
+          <a:lstStyle/>
+          <a:p>
+            <a:r>
+              <a:rPr lang="en-US" altLang="zh-CN" dirty="0" smtClean="0"/>
+              <a:t>5/15-two stage</a:t>
+            </a:r>
+            <a:endParaRPr lang="zh-CN" altLang="en-US" dirty="0"/>
+          </a:p>
+        </p:txBody>
+      </p:sp>
+      <p:sp>
+        <p:nvSpPr>
+          <p:cNvPr id="3" name="内容占位符 2"/>
+          <p:cNvSpPr>
+            <a:spLocks noGrp="1"/>
+          </p:cNvSpPr>
+          <p:nvPr>
+            <p:ph idx="1"/>
+          </p:nvPr>
+        </p:nvSpPr>
+        <p:spPr/>
+        <p:txBody>
+          <a:bodyPr/>
+          <a:lstStyle/>
+          <a:p>
+            <a:r>
+              <a:rPr lang="zh-CN" altLang="en-US" dirty="0"/>
+              <a:t>如果是第</a:t>
+            </a:r>
+            <a:r>
+              <a:rPr lang="en-US" altLang="zh-CN" dirty="0"/>
+              <a:t>0phase</a:t>
+            </a:r>
+            <a:r>
+              <a:rPr lang="zh-CN" altLang="en-US" dirty="0"/>
+              <a:t>或</a:t>
+            </a:r>
+            <a:r>
+              <a:rPr lang="en-US" altLang="zh-CN" dirty="0"/>
+              <a:t>1phase </a:t>
+            </a:r>
+            <a:r>
+              <a:rPr lang="en-US" altLang="zh-CN" dirty="0" err="1"/>
+              <a:t>noreweight</a:t>
+            </a:r>
+            <a:r>
+              <a:rPr lang="zh-CN" altLang="en-US" dirty="0"/>
+              <a:t>，按照</a:t>
+            </a:r>
+            <a:r>
+              <a:rPr lang="en-US" altLang="zh-CN" dirty="0" err="1"/>
+              <a:t>noreweight</a:t>
+            </a:r>
+            <a:r>
+              <a:rPr lang="zh-CN" altLang="en-US" dirty="0"/>
+              <a:t>回传，如果第</a:t>
+            </a:r>
+            <a:r>
+              <a:rPr lang="en-US" altLang="zh-CN" dirty="0"/>
+              <a:t>1phase</a:t>
+            </a:r>
+            <a:r>
+              <a:rPr lang="zh-CN" altLang="en-US" dirty="0"/>
+              <a:t>且指定</a:t>
+            </a:r>
+            <a:r>
+              <a:rPr lang="en-US" altLang="zh-CN" dirty="0"/>
+              <a:t>reweight</a:t>
+            </a:r>
+            <a:r>
+              <a:rPr lang="zh-CN" altLang="en-US" dirty="0"/>
+              <a:t>方式，</a:t>
+            </a:r>
+            <a:r>
+              <a:rPr lang="en-US" altLang="zh-CN" dirty="0"/>
+              <a:t>loss</a:t>
+            </a:r>
+            <a:r>
+              <a:rPr lang="zh-CN" altLang="en-US" dirty="0"/>
+              <a:t>对位乘以</a:t>
+            </a:r>
+            <a:r>
+              <a:rPr lang="en-US" altLang="zh-CN" dirty="0"/>
+              <a:t>weights</a:t>
+            </a:r>
+            <a:r>
+              <a:rPr lang="zh-CN" altLang="en-US" dirty="0"/>
+              <a:t>，加权之后</a:t>
+            </a:r>
+            <a:r>
+              <a:rPr lang="zh-CN" altLang="en-US" dirty="0" smtClean="0"/>
+              <a:t>回传</a:t>
+            </a:r>
+            <a:endParaRPr lang="en-US" altLang="zh-CN" dirty="0" smtClean="0"/>
+          </a:p>
+          <a:p>
+            <a:endParaRPr lang="en-US" altLang="zh-CN" dirty="0"/>
+          </a:p>
+          <a:p>
+            <a:r>
+              <a:rPr lang="zh-CN" altLang="en-US" dirty="0" smtClean="0"/>
+              <a:t>需要指定第</a:t>
+            </a:r>
+            <a:r>
+              <a:rPr lang="en-US" altLang="zh-CN" dirty="0" smtClean="0"/>
+              <a:t>0</a:t>
+            </a:r>
+            <a:r>
+              <a:rPr lang="zh-CN" altLang="en-US" dirty="0" smtClean="0"/>
+              <a:t>，</a:t>
+            </a:r>
+            <a:r>
+              <a:rPr lang="en-US" altLang="zh-CN" dirty="0" smtClean="0"/>
+              <a:t>1</a:t>
+            </a:r>
+            <a:r>
+              <a:rPr lang="zh-CN" altLang="en-US" dirty="0" smtClean="0"/>
+              <a:t>个</a:t>
+            </a:r>
+            <a:r>
+              <a:rPr lang="en-US" altLang="zh-CN" dirty="0" smtClean="0"/>
+              <a:t>phase</a:t>
+            </a:r>
+            <a:r>
+              <a:rPr lang="zh-CN" altLang="en-US" dirty="0" smtClean="0"/>
+              <a:t>的</a:t>
+            </a:r>
+            <a:r>
+              <a:rPr lang="en-US" altLang="zh-CN" dirty="0" smtClean="0"/>
+              <a:t>epoch</a:t>
+            </a:r>
+            <a:r>
+              <a:rPr lang="zh-CN" altLang="en-US" dirty="0" smtClean="0"/>
+              <a:t>数量，就相当于寻两次但第二次的初始化是第一次的结果</a:t>
+            </a:r>
+            <a:endParaRPr lang="en-US" altLang="zh-CN" dirty="0" smtClean="0"/>
+          </a:p>
+          <a:p>
+            <a:endParaRPr lang="en-US" altLang="zh-CN" dirty="0"/>
+          </a:p>
+          <a:p>
+            <a:r>
+              <a:rPr lang="zh-CN" altLang="en-US" dirty="0" smtClean="0"/>
+              <a:t>第二个</a:t>
+            </a:r>
+            <a:r>
+              <a:rPr lang="en-US" altLang="zh-CN" dirty="0" smtClean="0"/>
+              <a:t>stage</a:t>
+            </a:r>
+            <a:r>
+              <a:rPr lang="zh-CN" altLang="en-US" dirty="0" smtClean="0"/>
+              <a:t>的时候骨干网络的学习率下降，因为对分类层的效果更好，喂得数据暂且是一样的</a:t>
+            </a:r>
+            <a:endParaRPr lang="zh-CN" altLang="en-US" dirty="0"/>
+          </a:p>
+        </p:txBody>
+      </p:sp>
+    </p:spTree>
+    <p:extLst>
+      <p:ext uri="{BB962C8B-B14F-4D97-AF65-F5344CB8AC3E}">
+        <p14:creationId xmlns:p14="http://schemas.microsoft.com/office/powerpoint/2010/main" val="1223032986"/>
+      </p:ext>
+    </p:extLst>
+  </p:cSld>
+  <p:clrMapOvr>
+    <a:masterClrMapping/>
+  </p:clrMapOvr>
+</p:sld>
+</file>
+
+<file path=ppt/slides/slide46.xml><?xml version="1.0" encoding="utf-8"?>
+<p:sld xmlns:a="http://schemas.openxmlformats.org/drawingml/2006/main" xmlns:r="http://schemas.openxmlformats.org/officeDocument/2006/relationships" xmlns:p="http://schemas.openxmlformats.org/presentationml/2006/main">
+  <p:cSld>
+    <p:spTree>
+      <p:nvGrpSpPr>
+        <p:cNvPr id="1" name=""/>
+        <p:cNvGrpSpPr/>
+        <p:nvPr/>
+      </p:nvGrpSpPr>
+      <p:grpSpPr>
+        <a:xfrm>
+          <a:off x="0" y="0"/>
+          <a:ext cx="0" cy="0"/>
+          <a:chOff x="0" y="0"/>
+          <a:chExt cx="0" cy="0"/>
+        </a:xfrm>
+      </p:grpSpPr>
+      <p:sp>
+        <p:nvSpPr>
+          <p:cNvPr id="2" name="标题 1"/>
+          <p:cNvSpPr>
+            <a:spLocks noGrp="1"/>
+          </p:cNvSpPr>
+          <p:nvPr>
+            <p:ph type="title"/>
+          </p:nvPr>
+        </p:nvSpPr>
+        <p:spPr/>
+        <p:txBody>
+          <a:bodyPr/>
+          <a:lstStyle/>
+          <a:p>
+            <a:r>
+              <a:rPr lang="en-US" altLang="zh-CN" dirty="0" smtClean="0"/>
+              <a:t>5/15-relabeling</a:t>
+            </a:r>
+            <a:endParaRPr lang="zh-CN" altLang="en-US" dirty="0"/>
+          </a:p>
+        </p:txBody>
+      </p:sp>
+      <p:sp>
+        <p:nvSpPr>
+          <p:cNvPr id="3" name="内容占位符 2"/>
+          <p:cNvSpPr>
+            <a:spLocks noGrp="1"/>
+          </p:cNvSpPr>
+          <p:nvPr>
+            <p:ph idx="1"/>
+          </p:nvPr>
+        </p:nvSpPr>
+        <p:spPr/>
+        <p:txBody>
+          <a:bodyPr>
+            <a:normAutofit fontScale="70000" lnSpcReduction="20000"/>
+          </a:bodyPr>
+          <a:lstStyle/>
+          <a:p>
+            <a:r>
+              <a:rPr lang="en-US" altLang="zh-CN" dirty="0" smtClean="0"/>
+              <a:t>Relabel</a:t>
+            </a:r>
+          </a:p>
+          <a:p>
+            <a:pPr lvl="1"/>
+            <a:r>
+              <a:rPr lang="zh-CN" altLang="en-US" dirty="0" smtClean="0"/>
+              <a:t>不去固定下来，可以变</a:t>
+            </a:r>
+            <a:endParaRPr lang="en-US" altLang="zh-CN" dirty="0" smtClean="0"/>
+          </a:p>
+          <a:p>
+            <a:pPr lvl="1"/>
+            <a:r>
+              <a:rPr lang="en-US" altLang="zh-CN" dirty="0" smtClean="0"/>
+              <a:t>Uncertainty</a:t>
+            </a:r>
+            <a:r>
+              <a:rPr lang="zh-CN" altLang="en-US" dirty="0" smtClean="0"/>
+              <a:t>足够大的时候将标签转变为预测的标签，根据是神经网络被证明会先学模式再学噪音</a:t>
+            </a:r>
+            <a:endParaRPr lang="en-US" altLang="zh-CN" dirty="0" smtClean="0"/>
+          </a:p>
+          <a:p>
+            <a:pPr lvl="1"/>
+            <a:r>
+              <a:rPr lang="zh-CN" altLang="en-US" dirty="0" smtClean="0"/>
+              <a:t>两种</a:t>
+            </a:r>
+            <a:r>
+              <a:rPr lang="en-US" altLang="zh-CN" dirty="0" smtClean="0"/>
+              <a:t>relabel</a:t>
+            </a:r>
+            <a:r>
+              <a:rPr lang="zh-CN" altLang="en-US" dirty="0" smtClean="0"/>
+              <a:t>的方式：</a:t>
+            </a:r>
+            <a:r>
+              <a:rPr lang="en-US" altLang="zh-CN" dirty="0" smtClean="0"/>
+              <a:t>high/low frequency</a:t>
+            </a:r>
+            <a:r>
+              <a:rPr lang="zh-CN" altLang="en-US" dirty="0" smtClean="0"/>
+              <a:t>，分别代表对</a:t>
+            </a:r>
+            <a:r>
+              <a:rPr lang="en-US" altLang="zh-CN" dirty="0" smtClean="0"/>
+              <a:t>batch</a:t>
+            </a:r>
+            <a:r>
+              <a:rPr lang="zh-CN" altLang="en-US" dirty="0" smtClean="0"/>
+              <a:t>中每一个数据都执行此操作，和隔几个正常训练</a:t>
+            </a:r>
+            <a:r>
+              <a:rPr lang="en-US" altLang="zh-CN" dirty="0" smtClean="0"/>
+              <a:t>epoch</a:t>
+            </a:r>
+            <a:r>
+              <a:rPr lang="zh-CN" altLang="en-US" dirty="0" smtClean="0"/>
+              <a:t>进行一次大换血（</a:t>
+            </a:r>
+            <a:r>
+              <a:rPr lang="en-US" altLang="zh-CN" dirty="0" smtClean="0"/>
+              <a:t>low frequency </a:t>
+            </a:r>
+            <a:r>
+              <a:rPr lang="zh-CN" altLang="en-US" dirty="0" smtClean="0"/>
+              <a:t>的方式有点类似于</a:t>
+            </a:r>
+            <a:r>
+              <a:rPr lang="en-US" altLang="zh-CN" dirty="0" smtClean="0"/>
+              <a:t>DBST</a:t>
+            </a:r>
+            <a:r>
+              <a:rPr lang="zh-CN" altLang="en-US" dirty="0" smtClean="0"/>
+              <a:t>，见</a:t>
+            </a:r>
+            <a:r>
+              <a:rPr lang="en-US" altLang="zh-CN" dirty="0" smtClean="0"/>
+              <a:t>DBST</a:t>
+            </a:r>
+            <a:r>
+              <a:rPr lang="zh-CN" altLang="en-US" dirty="0" smtClean="0"/>
+              <a:t>第二页）。</a:t>
+            </a:r>
+            <a:endParaRPr lang="en-US" altLang="zh-CN" dirty="0" smtClean="0"/>
+          </a:p>
+          <a:p>
+            <a:r>
+              <a:rPr lang="en-US" altLang="zh-CN" dirty="0" smtClean="0"/>
+              <a:t>Relabel with new class</a:t>
+            </a:r>
+            <a:endParaRPr lang="en-US" altLang="zh-CN" dirty="0"/>
+          </a:p>
+          <a:p>
+            <a:pPr lvl="1"/>
+            <a:r>
+              <a:rPr lang="zh-CN" altLang="en-US" dirty="0" smtClean="0"/>
+              <a:t>噪音</a:t>
+            </a:r>
+            <a:r>
+              <a:rPr lang="zh-CN" altLang="en-US" dirty="0"/>
+              <a:t>类怎么计算</a:t>
+            </a:r>
+            <a:r>
+              <a:rPr lang="en-US" altLang="zh-CN" dirty="0" smtClean="0"/>
+              <a:t>loss</a:t>
+            </a:r>
+          </a:p>
+          <a:p>
+            <a:pPr lvl="2"/>
+            <a:r>
+              <a:rPr lang="zh-CN" altLang="en-US" dirty="0" smtClean="0"/>
+              <a:t>是和其他类一样吗？就是自己决定它是噪音就要以后强迫自己认为是噪音？要来回变，但是不太可能很多变，因为阈值要高，如果自适应阈值，可以逐渐减少，因为之后可能处理到</a:t>
+            </a:r>
+            <a:r>
+              <a:rPr lang="en-US" altLang="zh-CN" dirty="0" err="1" smtClean="0"/>
+              <a:t>hardcase</a:t>
+            </a:r>
+            <a:r>
+              <a:rPr lang="zh-CN" altLang="en-US" dirty="0" smtClean="0"/>
+              <a:t>，</a:t>
+            </a:r>
+            <a:r>
+              <a:rPr lang="en-US" altLang="zh-CN" dirty="0" smtClean="0"/>
+              <a:t>DBST</a:t>
+            </a:r>
+            <a:r>
+              <a:rPr lang="zh-CN" altLang="en-US" dirty="0" smtClean="0"/>
+              <a:t>是这么做的，只不过变得不是权重的阈值而是权重本身。或者逐渐增加，因为置信度水涨船高，可能需要证明</a:t>
+            </a:r>
+            <a:endParaRPr lang="en-US" altLang="zh-CN" dirty="0" smtClean="0"/>
+          </a:p>
+          <a:p>
+            <a:pPr lvl="2"/>
+            <a:r>
+              <a:rPr lang="zh-CN" altLang="en-US" dirty="0" smtClean="0"/>
+              <a:t>能直接改变</a:t>
+            </a:r>
+            <a:r>
+              <a:rPr lang="en-US" altLang="zh-CN" dirty="0" smtClean="0"/>
+              <a:t>label</a:t>
+            </a:r>
+            <a:r>
+              <a:rPr lang="zh-CN" altLang="en-US" dirty="0" smtClean="0"/>
+              <a:t>吗？</a:t>
+            </a:r>
+            <a:endParaRPr lang="en-US" altLang="zh-CN" dirty="0" smtClean="0"/>
+          </a:p>
+          <a:p>
+            <a:pPr lvl="1"/>
+            <a:r>
+              <a:rPr lang="zh-CN" altLang="en-US" dirty="0" smtClean="0"/>
+              <a:t>怎么</a:t>
+            </a:r>
+            <a:r>
+              <a:rPr lang="zh-CN" altLang="en-US" dirty="0"/>
+              <a:t>计算</a:t>
+            </a:r>
+            <a:r>
+              <a:rPr lang="zh-CN" altLang="en-US" dirty="0" smtClean="0"/>
+              <a:t>不确定性</a:t>
+            </a:r>
+            <a:endParaRPr lang="en-US" altLang="zh-CN" dirty="0" smtClean="0"/>
+          </a:p>
+          <a:p>
+            <a:pPr lvl="2"/>
+            <a:r>
+              <a:rPr lang="zh-CN" altLang="en-US" dirty="0" smtClean="0"/>
+              <a:t>肯定会大，因为一开始就是因为</a:t>
+            </a:r>
+            <a:r>
+              <a:rPr lang="en-US" altLang="zh-CN" dirty="0" smtClean="0"/>
+              <a:t>uncertainty</a:t>
+            </a:r>
+            <a:r>
+              <a:rPr lang="zh-CN" altLang="en-US" dirty="0" smtClean="0"/>
+              <a:t>大才归到噪音的</a:t>
+            </a:r>
+            <a:endParaRPr lang="en-US" altLang="zh-CN" dirty="0" smtClean="0"/>
+          </a:p>
+          <a:p>
+            <a:pPr lvl="1"/>
+            <a:r>
+              <a:rPr lang="zh-CN" altLang="en-US" dirty="0" smtClean="0"/>
+              <a:t>怎么</a:t>
+            </a:r>
+            <a:r>
+              <a:rPr lang="zh-CN" altLang="en-US" dirty="0"/>
+              <a:t>计算</a:t>
+            </a:r>
+            <a:r>
+              <a:rPr lang="en-US" altLang="zh-CN" dirty="0" smtClean="0"/>
+              <a:t>weight</a:t>
+            </a:r>
+          </a:p>
+          <a:p>
+            <a:pPr lvl="2"/>
+            <a:r>
+              <a:rPr lang="zh-CN" altLang="en-US" dirty="0" smtClean="0"/>
+              <a:t>参与普通类的</a:t>
+            </a:r>
+            <a:r>
+              <a:rPr lang="en-US" altLang="zh-CN" dirty="0" smtClean="0"/>
+              <a:t>reweight</a:t>
+            </a:r>
+            <a:r>
+              <a:rPr lang="zh-CN" altLang="en-US" dirty="0" smtClean="0"/>
+              <a:t>吗？初期统一对待，或者让他大些</a:t>
+            </a:r>
+            <a:endParaRPr lang="en-US" altLang="zh-CN" dirty="0" smtClean="0"/>
+          </a:p>
+          <a:p>
+            <a:pPr lvl="1"/>
+            <a:r>
+              <a:rPr lang="zh-CN" altLang="en-US" dirty="0" smtClean="0"/>
+              <a:t>怎么</a:t>
+            </a:r>
+            <a:r>
+              <a:rPr lang="zh-CN" altLang="en-US" dirty="0"/>
+              <a:t>回传</a:t>
+            </a:r>
+            <a:r>
+              <a:rPr lang="zh-CN" altLang="en-US" dirty="0" smtClean="0"/>
+              <a:t>呢</a:t>
+            </a:r>
+            <a:endParaRPr lang="en-US" altLang="zh-CN" dirty="0" smtClean="0"/>
+          </a:p>
+          <a:p>
+            <a:pPr lvl="2"/>
+            <a:r>
+              <a:rPr lang="zh-CN" altLang="en-US" dirty="0" smtClean="0"/>
+              <a:t>通过什么方式影响模型？目标是让模型保持之前“这个数据是噪音”的判断吗？</a:t>
+            </a:r>
+            <a:endParaRPr lang="zh-CN" altLang="en-US" dirty="0"/>
+          </a:p>
+        </p:txBody>
+      </p:sp>
+    </p:spTree>
+    <p:extLst>
+      <p:ext uri="{BB962C8B-B14F-4D97-AF65-F5344CB8AC3E}">
+        <p14:creationId xmlns:p14="http://schemas.microsoft.com/office/powerpoint/2010/main" val="853409337"/>
+      </p:ext>
+    </p:extLst>
+  </p:cSld>
+  <p:clrMapOvr>
+    <a:masterClrMapping/>
+  </p:clrMapOvr>
+</p:sld>
+</file>
+
+<file path=ppt/slides/slide47.xml><?xml version="1.0" encoding="utf-8"?>
+<p:sld xmlns:a="http://schemas.openxmlformats.org/drawingml/2006/main" xmlns:r="http://schemas.openxmlformats.org/officeDocument/2006/relationships" xmlns:p="http://schemas.openxmlformats.org/presentationml/2006/main">
+  <p:cSld>
+    <p:spTree>
+      <p:nvGrpSpPr>
+        <p:cNvPr id="1" name=""/>
+        <p:cNvGrpSpPr/>
+        <p:nvPr/>
+      </p:nvGrpSpPr>
+      <p:grpSpPr>
+        <a:xfrm>
+          <a:off x="0" y="0"/>
+          <a:ext cx="0" cy="0"/>
+          <a:chOff x="0" y="0"/>
+          <a:chExt cx="0" cy="0"/>
+        </a:xfrm>
+      </p:grpSpPr>
+      <p:sp>
+        <p:nvSpPr>
+          <p:cNvPr id="2" name="标题 1"/>
+          <p:cNvSpPr>
+            <a:spLocks noGrp="1"/>
+          </p:cNvSpPr>
+          <p:nvPr>
+            <p:ph type="title"/>
+          </p:nvPr>
+        </p:nvSpPr>
+        <p:spPr/>
+        <p:txBody>
+          <a:bodyPr/>
+          <a:lstStyle/>
+          <a:p>
+            <a:r>
+              <a:rPr lang="en-US" altLang="zh-CN" dirty="0" smtClean="0"/>
+              <a:t>5/15-valset</a:t>
+            </a:r>
+            <a:endParaRPr lang="zh-CN" altLang="en-US" dirty="0"/>
+          </a:p>
+        </p:txBody>
+      </p:sp>
+      <p:sp>
+        <p:nvSpPr>
+          <p:cNvPr id="3" name="内容占位符 2"/>
+          <p:cNvSpPr>
+            <a:spLocks noGrp="1"/>
+          </p:cNvSpPr>
+          <p:nvPr>
+            <p:ph idx="1"/>
+          </p:nvPr>
+        </p:nvSpPr>
+        <p:spPr/>
+        <p:txBody>
+          <a:bodyPr>
+            <a:normAutofit fontScale="92500" lnSpcReduction="10000"/>
+          </a:bodyPr>
+          <a:lstStyle/>
+          <a:p>
+            <a:r>
+              <a:rPr lang="en-US" altLang="zh-CN" dirty="0" smtClean="0"/>
+              <a:t>Meta learning</a:t>
+            </a:r>
+          </a:p>
+          <a:p>
+            <a:pPr lvl="1"/>
+            <a:r>
+              <a:rPr lang="en-US" altLang="zh-CN" dirty="0" err="1" smtClean="0"/>
+              <a:t>Valset</a:t>
+            </a:r>
+            <a:r>
+              <a:rPr lang="zh-CN" altLang="en-US" dirty="0" smtClean="0"/>
+              <a:t>当做</a:t>
+            </a:r>
+            <a:r>
+              <a:rPr lang="en-US" altLang="zh-CN" dirty="0" smtClean="0"/>
+              <a:t>metadata</a:t>
+            </a:r>
+            <a:r>
+              <a:rPr lang="zh-CN" altLang="en-US" dirty="0" smtClean="0"/>
+              <a:t>来训练</a:t>
+            </a:r>
+            <a:endParaRPr lang="en-US" altLang="zh-CN" dirty="0" smtClean="0"/>
+          </a:p>
+          <a:p>
+            <a:pPr lvl="1"/>
+            <a:r>
+              <a:rPr lang="en-US" altLang="zh-CN" dirty="0" err="1" smtClean="0"/>
+              <a:t>Metalearning</a:t>
+            </a:r>
+            <a:r>
+              <a:rPr lang="zh-CN" altLang="en-US" dirty="0" smtClean="0"/>
+              <a:t>训练的是分类器的某一部分，用普通数据回传的时候一般这部分不更新</a:t>
+            </a:r>
+            <a:endParaRPr lang="en-US" altLang="zh-CN" dirty="0" smtClean="0"/>
+          </a:p>
+          <a:p>
+            <a:endParaRPr lang="en-US" altLang="zh-CN" dirty="0"/>
+          </a:p>
+          <a:p>
+            <a:r>
+              <a:rPr lang="en-US" altLang="zh-CN" dirty="0" smtClean="0"/>
+              <a:t>GLC</a:t>
+            </a:r>
+          </a:p>
+          <a:p>
+            <a:pPr lvl="1"/>
+            <a:r>
+              <a:rPr lang="zh-CN" altLang="en-US" dirty="0" smtClean="0"/>
+              <a:t>用</a:t>
+            </a:r>
+            <a:r>
+              <a:rPr lang="en-US" altLang="zh-CN" dirty="0" err="1" smtClean="0"/>
+              <a:t>valset</a:t>
+            </a:r>
+            <a:r>
+              <a:rPr lang="zh-CN" altLang="en-US" dirty="0" smtClean="0"/>
+              <a:t>来得到数据的某些信息</a:t>
+            </a:r>
+            <a:endParaRPr lang="en-US" altLang="zh-CN" dirty="0" smtClean="0"/>
+          </a:p>
+          <a:p>
+            <a:pPr lvl="1"/>
+            <a:r>
+              <a:rPr lang="zh-CN" altLang="en-US" dirty="0" smtClean="0"/>
+              <a:t>之后训练就与普通数据地位一样了</a:t>
+            </a:r>
+            <a:endParaRPr lang="en-US" altLang="zh-CN" dirty="0" smtClean="0"/>
+          </a:p>
+          <a:p>
+            <a:endParaRPr lang="en-US" altLang="zh-CN" dirty="0"/>
+          </a:p>
+          <a:p>
+            <a:r>
+              <a:rPr lang="en-US" altLang="zh-CN" dirty="0" err="1" smtClean="0"/>
+              <a:t>Finetune</a:t>
+            </a:r>
+            <a:endParaRPr lang="en-US" altLang="zh-CN" dirty="0" smtClean="0"/>
+          </a:p>
+          <a:p>
+            <a:pPr lvl="1"/>
+            <a:r>
+              <a:rPr lang="en-US" altLang="zh-CN" dirty="0" smtClean="0"/>
+              <a:t>Early stop</a:t>
+            </a:r>
+            <a:r>
+              <a:rPr lang="zh-CN" altLang="en-US" dirty="0" smtClean="0"/>
+              <a:t>，普通的训完在这上面训等</a:t>
+            </a:r>
+            <a:endParaRPr lang="zh-CN" altLang="en-US" dirty="0"/>
+          </a:p>
+        </p:txBody>
+      </p:sp>
+    </p:spTree>
+    <p:extLst>
+      <p:ext uri="{BB962C8B-B14F-4D97-AF65-F5344CB8AC3E}">
+        <p14:creationId xmlns:p14="http://schemas.microsoft.com/office/powerpoint/2010/main" val="2438940100"/>
+      </p:ext>
+    </p:extLst>
+  </p:cSld>
+  <p:clrMapOvr>
+    <a:masterClrMapping/>
+  </p:clrMapOvr>
+</p:sld>
+</file>
+
+<file path=ppt/slides/slide48.xml><?xml version="1.0" encoding="utf-8"?>
+<p:sld xmlns:a="http://schemas.openxmlformats.org/drawingml/2006/main" xmlns:r="http://schemas.openxmlformats.org/officeDocument/2006/relationships" xmlns:p="http://schemas.openxmlformats.org/presentationml/2006/main">
+  <p:cSld>
+    <p:spTree>
+      <p:nvGrpSpPr>
+        <p:cNvPr id="1" name=""/>
+        <p:cNvGrpSpPr/>
+        <p:nvPr/>
+      </p:nvGrpSpPr>
+      <p:grpSpPr>
+        <a:xfrm>
+          <a:off x="0" y="0"/>
+          <a:ext cx="0" cy="0"/>
+          <a:chOff x="0" y="0"/>
+          <a:chExt cx="0" cy="0"/>
+        </a:xfrm>
+      </p:grpSpPr>
+      <p:sp>
+        <p:nvSpPr>
+          <p:cNvPr id="2" name="标题 1"/>
+          <p:cNvSpPr>
+            <a:spLocks noGrp="1"/>
+          </p:cNvSpPr>
+          <p:nvPr>
+            <p:ph type="title"/>
+          </p:nvPr>
+        </p:nvSpPr>
+        <p:spPr/>
+        <p:txBody>
+          <a:bodyPr/>
+          <a:lstStyle/>
+          <a:p>
+            <a:endParaRPr lang="zh-CN" altLang="en-US"/>
+          </a:p>
+        </p:txBody>
+      </p:sp>
+      <p:sp>
+        <p:nvSpPr>
+          <p:cNvPr id="3" name="内容占位符 2"/>
+          <p:cNvSpPr>
+            <a:spLocks noGrp="1"/>
+          </p:cNvSpPr>
+          <p:nvPr>
+            <p:ph idx="1"/>
+          </p:nvPr>
+        </p:nvSpPr>
+        <p:spPr/>
+        <p:txBody>
+          <a:bodyPr/>
+          <a:lstStyle/>
+          <a:p>
+            <a:r>
+              <a:rPr lang="zh-CN" altLang="en-US" dirty="0" smtClean="0"/>
+              <a:t>第三部分补完</a:t>
+            </a:r>
+            <a:endParaRPr lang="en-US" altLang="zh-CN" dirty="0" smtClean="0"/>
+          </a:p>
+          <a:p>
+            <a:r>
+              <a:rPr lang="zh-CN" altLang="en-US" dirty="0" smtClean="0"/>
+              <a:t>实验结果：设置，和中间结果整理</a:t>
+            </a:r>
+            <a:endParaRPr lang="en-US" altLang="zh-CN" dirty="0" smtClean="0"/>
+          </a:p>
+          <a:p>
+            <a:r>
+              <a:rPr lang="zh-CN" altLang="en-US" dirty="0" smtClean="0"/>
+              <a:t>训练中间结果输出，影响训练策略</a:t>
+            </a:r>
+            <a:endParaRPr lang="en-US" altLang="zh-CN" dirty="0" smtClean="0"/>
+          </a:p>
+          <a:p>
+            <a:r>
+              <a:rPr lang="zh-CN" altLang="en-US" dirty="0" smtClean="0"/>
+              <a:t>拉到同一个标准，之后再去改进</a:t>
+            </a:r>
+            <a:endParaRPr lang="en-US" altLang="zh-CN" dirty="0" smtClean="0"/>
+          </a:p>
+          <a:p>
+            <a:r>
+              <a:rPr lang="zh-CN" altLang="en-US" dirty="0" smtClean="0"/>
+              <a:t>实验的轻重，先仅着重要的，最大概率的进展</a:t>
+            </a:r>
+            <a:endParaRPr lang="zh-CN" altLang="en-US" dirty="0"/>
+          </a:p>
+        </p:txBody>
+      </p:sp>
+    </p:spTree>
+    <p:extLst>
+      <p:ext uri="{BB962C8B-B14F-4D97-AF65-F5344CB8AC3E}">
+        <p14:creationId xmlns:p14="http://schemas.microsoft.com/office/powerpoint/2010/main" val="1682694417"/>
+      </p:ext>
+    </p:extLst>
+  </p:cSld>
+  <p:clrMapOvr>
+    <a:masterClrMapping/>
+  </p:clrMapOvr>
+</p:sld>
+</file>
+
+<file path=ppt/slides/slide49.xml><?xml version="1.0" encoding="utf-8"?>
+<p:sld xmlns:a="http://schemas.openxmlformats.org/drawingml/2006/main" xmlns:r="http://schemas.openxmlformats.org/officeDocument/2006/relationships" xmlns:p="http://schemas.openxmlformats.org/presentationml/2006/main">
+  <p:cSld>
+    <p:spTree>
+      <p:nvGrpSpPr>
+        <p:cNvPr id="1" name=""/>
+        <p:cNvGrpSpPr/>
+        <p:nvPr/>
+      </p:nvGrpSpPr>
+      <p:grpSpPr>
+        <a:xfrm>
+          <a:off x="0" y="0"/>
+          <a:ext cx="0" cy="0"/>
+          <a:chOff x="0" y="0"/>
+          <a:chExt cx="0" cy="0"/>
+        </a:xfrm>
+      </p:grpSpPr>
+      <p:sp>
+        <p:nvSpPr>
+          <p:cNvPr id="2" name="标题 1"/>
+          <p:cNvSpPr>
+            <a:spLocks noGrp="1"/>
+          </p:cNvSpPr>
+          <p:nvPr>
+            <p:ph type="title"/>
+          </p:nvPr>
+        </p:nvSpPr>
+        <p:spPr/>
+        <p:txBody>
+          <a:bodyPr/>
+          <a:lstStyle/>
+          <a:p>
+            <a:r>
+              <a:rPr lang="en-US" altLang="zh-CN" dirty="0" smtClean="0"/>
+              <a:t>5/27 reweighting &amp; relabeling</a:t>
+            </a:r>
+            <a:endParaRPr lang="zh-CN" altLang="en-US" dirty="0"/>
+          </a:p>
+        </p:txBody>
+      </p:sp>
+      <p:sp>
+        <p:nvSpPr>
+          <p:cNvPr id="3" name="内容占位符 2"/>
+          <p:cNvSpPr>
+            <a:spLocks noGrp="1"/>
+          </p:cNvSpPr>
+          <p:nvPr>
+            <p:ph idx="1"/>
+          </p:nvPr>
+        </p:nvSpPr>
+        <p:spPr/>
+        <p:txBody>
+          <a:bodyPr>
+            <a:normAutofit fontScale="62500" lnSpcReduction="20000"/>
+          </a:bodyPr>
+          <a:lstStyle/>
+          <a:p>
+            <a:r>
+              <a:rPr lang="en-US" altLang="zh-CN" dirty="0" smtClean="0"/>
+              <a:t>Weight</a:t>
+            </a:r>
+            <a:r>
+              <a:rPr lang="zh-CN" altLang="en-US" dirty="0" smtClean="0"/>
+              <a:t>那里固定阈值可能不太现实，感觉还是得要像</a:t>
+            </a:r>
+            <a:r>
+              <a:rPr lang="en-US" altLang="zh-CN" dirty="0" smtClean="0"/>
+              <a:t>relabeling</a:t>
+            </a:r>
+            <a:r>
+              <a:rPr lang="zh-CN" altLang="en-US" dirty="0" smtClean="0"/>
+              <a:t>文章那样用比例，前百分之多少</a:t>
+            </a:r>
+            <a:endParaRPr lang="en-US" altLang="zh-CN" dirty="0" smtClean="0"/>
+          </a:p>
+          <a:p>
+            <a:r>
+              <a:rPr lang="zh-CN" altLang="en-US" dirty="0" smtClean="0"/>
+              <a:t>之前的两个实验，</a:t>
+            </a:r>
+            <a:r>
+              <a:rPr lang="en-US" altLang="zh-CN" dirty="0" smtClean="0"/>
+              <a:t>0.46</a:t>
+            </a:r>
+            <a:r>
+              <a:rPr lang="zh-CN" altLang="en-US" dirty="0" smtClean="0"/>
+              <a:t>的在</a:t>
+            </a:r>
+            <a:r>
+              <a:rPr lang="en-US" altLang="zh-CN" dirty="0" err="1" smtClean="0"/>
+              <a:t>cf</a:t>
+            </a:r>
+            <a:r>
+              <a:rPr lang="zh-CN" altLang="en-US" dirty="0" smtClean="0"/>
+              <a:t>，实际上是</a:t>
+            </a:r>
+            <a:r>
+              <a:rPr lang="en-US" altLang="zh-CN" dirty="0" smtClean="0"/>
+              <a:t>reweight</a:t>
+            </a:r>
+            <a:r>
+              <a:rPr lang="zh-CN" altLang="en-US" dirty="0" smtClean="0"/>
+              <a:t>的上限，另一个噪声比例的结果不好，按理来说应该是</a:t>
+            </a:r>
+            <a:r>
+              <a:rPr lang="en-US" altLang="zh-CN" dirty="0" smtClean="0"/>
+              <a:t>54%</a:t>
+            </a:r>
+            <a:r>
+              <a:rPr lang="zh-CN" altLang="en-US" dirty="0" smtClean="0"/>
+              <a:t>为</a:t>
+            </a:r>
+            <a:r>
+              <a:rPr lang="en-US" altLang="zh-CN" dirty="0" smtClean="0"/>
+              <a:t>baseline</a:t>
+            </a:r>
+            <a:r>
+              <a:rPr lang="zh-CN" altLang="en-US" dirty="0" smtClean="0"/>
+              <a:t>，现在比</a:t>
+            </a:r>
+            <a:r>
+              <a:rPr lang="en-US" altLang="zh-CN" dirty="0" smtClean="0"/>
+              <a:t>60</a:t>
+            </a:r>
+            <a:r>
+              <a:rPr lang="zh-CN" altLang="en-US" dirty="0" smtClean="0"/>
+              <a:t>还低，一直在</a:t>
+            </a:r>
+            <a:r>
+              <a:rPr lang="en-US" altLang="zh-CN" dirty="0" smtClean="0"/>
+              <a:t>57</a:t>
+            </a:r>
+            <a:r>
+              <a:rPr lang="zh-CN" altLang="en-US" dirty="0" smtClean="0"/>
+              <a:t>左右，正在找原因：</a:t>
+            </a:r>
+            <a:endParaRPr lang="en-US" altLang="zh-CN" dirty="0" smtClean="0"/>
+          </a:p>
+          <a:p>
+            <a:pPr lvl="1"/>
+            <a:r>
+              <a:rPr lang="en-US" altLang="zh-CN" dirty="0" smtClean="0"/>
+              <a:t>30%</a:t>
+            </a:r>
+            <a:r>
+              <a:rPr lang="zh-CN" altLang="en-US" dirty="0" smtClean="0"/>
+              <a:t>的噪声可能大了，去看更小的，以</a:t>
+            </a:r>
+            <a:r>
+              <a:rPr lang="en-US" altLang="zh-CN" dirty="0" smtClean="0"/>
+              <a:t>5%</a:t>
+            </a:r>
+            <a:r>
+              <a:rPr lang="zh-CN" altLang="en-US" dirty="0" smtClean="0"/>
+              <a:t>为步长</a:t>
+            </a:r>
+            <a:endParaRPr lang="en-US" altLang="zh-CN" dirty="0" smtClean="0"/>
+          </a:p>
+          <a:p>
+            <a:pPr lvl="1"/>
+            <a:r>
+              <a:rPr lang="zh-CN" altLang="en-US" dirty="0" smtClean="0"/>
+              <a:t>最大的乘一个小于一的超参数作为阈值</a:t>
+            </a:r>
+            <a:endParaRPr lang="en-US" altLang="zh-CN" dirty="0" smtClean="0"/>
+          </a:p>
+          <a:p>
+            <a:pPr lvl="1"/>
+            <a:r>
+              <a:rPr lang="zh-CN" altLang="en-US" dirty="0" smtClean="0"/>
+              <a:t>第一个实验代表了真正卡脖子的是</a:t>
+            </a:r>
+            <a:r>
+              <a:rPr lang="en-US" altLang="zh-CN" dirty="0" smtClean="0"/>
+              <a:t>reweight</a:t>
+            </a:r>
+            <a:r>
+              <a:rPr lang="zh-CN" altLang="en-US" dirty="0" smtClean="0"/>
+              <a:t>所以一定要找这个原因</a:t>
+            </a:r>
+            <a:endParaRPr lang="en-US" altLang="zh-CN" dirty="0" smtClean="0"/>
+          </a:p>
+          <a:p>
+            <a:pPr lvl="1"/>
+            <a:r>
+              <a:rPr lang="en-US" altLang="zh-CN" dirty="0" smtClean="0"/>
+              <a:t>Weight function</a:t>
+            </a:r>
+            <a:r>
+              <a:rPr lang="zh-CN" altLang="en-US" dirty="0" smtClean="0"/>
+              <a:t>尝试一下截断的，因为保证干净数据不被去掉，去掉的标准要比较严苛</a:t>
+            </a:r>
+            <a:endParaRPr lang="en-US" altLang="zh-CN" dirty="0" smtClean="0"/>
+          </a:p>
+          <a:p>
+            <a:r>
+              <a:rPr lang="en-US" altLang="zh-CN" dirty="0" smtClean="0"/>
+              <a:t>Relabeling</a:t>
+            </a:r>
+            <a:r>
+              <a:rPr lang="zh-CN" altLang="en-US" dirty="0" smtClean="0"/>
+              <a:t>非噪声类的实验正在做，噪声类的还没开始跑，但是感觉找到以上原因之前应该意义不太大所以暂时搁置</a:t>
+            </a:r>
+            <a:endParaRPr lang="en-US" altLang="zh-CN" dirty="0" smtClean="0"/>
+          </a:p>
+          <a:p>
+            <a:r>
+              <a:rPr lang="zh-CN" altLang="en-US" dirty="0" smtClean="0"/>
+              <a:t>文章更新第三第四部分现有实验和想法补完</a:t>
+            </a:r>
+            <a:endParaRPr lang="en-US" altLang="zh-CN" dirty="0" smtClean="0"/>
+          </a:p>
+          <a:p>
+            <a:r>
+              <a:rPr lang="zh-CN" altLang="en-US" dirty="0" smtClean="0"/>
+              <a:t>统一一下</a:t>
+            </a:r>
+            <a:r>
+              <a:rPr lang="en-US" altLang="zh-CN" dirty="0" smtClean="0"/>
+              <a:t>dropout</a:t>
+            </a:r>
+            <a:r>
+              <a:rPr lang="zh-CN" altLang="en-US" dirty="0" smtClean="0"/>
+              <a:t>实验里面</a:t>
+            </a:r>
+            <a:r>
+              <a:rPr lang="en-US" altLang="zh-CN" dirty="0" smtClean="0"/>
+              <a:t>0.5</a:t>
+            </a:r>
+            <a:r>
+              <a:rPr lang="zh-CN" altLang="en-US" dirty="0" smtClean="0"/>
+              <a:t>的和后面</a:t>
+            </a:r>
+            <a:r>
+              <a:rPr lang="en-US" altLang="zh-CN" dirty="0" smtClean="0"/>
+              <a:t>reweighting</a:t>
+            </a:r>
+            <a:r>
+              <a:rPr lang="zh-CN" altLang="en-US" dirty="0" smtClean="0"/>
+              <a:t>实验</a:t>
+            </a:r>
+            <a:r>
+              <a:rPr lang="en-US" altLang="zh-CN" dirty="0" err="1" smtClean="0"/>
+              <a:t>noreweight</a:t>
+            </a:r>
+            <a:r>
+              <a:rPr lang="zh-CN" altLang="en-US" dirty="0" smtClean="0"/>
+              <a:t>结果</a:t>
+            </a:r>
+            <a:endParaRPr lang="en-US" altLang="zh-CN" dirty="0" smtClean="0"/>
+          </a:p>
+          <a:p>
+            <a:r>
+              <a:rPr lang="en-US" altLang="zh-CN" dirty="0" smtClean="0"/>
+              <a:t>CF</a:t>
+            </a:r>
+            <a:r>
+              <a:rPr lang="zh-CN" altLang="en-US" dirty="0" smtClean="0"/>
+              <a:t>页面：标题清晰，拆分页面：之前调研的背景知识的整理到一个，现在正在进行的要简洁清楚，要描述的更清楚，小白能看懂，看</a:t>
+            </a:r>
+            <a:r>
+              <a:rPr lang="en-US" altLang="zh-CN" dirty="0" err="1" smtClean="0"/>
+              <a:t>Jdme</a:t>
+            </a:r>
+            <a:r>
+              <a:rPr lang="zh-CN" altLang="en-US" dirty="0" smtClean="0"/>
+              <a:t>于伟聊天记录</a:t>
+            </a:r>
+            <a:endParaRPr lang="en-US" altLang="zh-CN" dirty="0" smtClean="0"/>
+          </a:p>
+          <a:p>
+            <a:r>
+              <a:rPr lang="zh-CN" altLang="en-US" dirty="0" smtClean="0"/>
+              <a:t>之前做过的实验，之后要做的实验</a:t>
+            </a:r>
+            <a:endParaRPr lang="en-US" altLang="zh-CN" dirty="0" smtClean="0"/>
+          </a:p>
+          <a:p>
+            <a:r>
+              <a:rPr lang="zh-CN" altLang="en-US" dirty="0" smtClean="0"/>
+              <a:t>实习生后备人选，去找学长问有没有研究生想实习的</a:t>
+            </a:r>
+            <a:endParaRPr lang="zh-CN" altLang="en-US" dirty="0"/>
+          </a:p>
+        </p:txBody>
+      </p:sp>
+    </p:spTree>
+    <p:extLst>
+      <p:ext uri="{BB962C8B-B14F-4D97-AF65-F5344CB8AC3E}">
+        <p14:creationId xmlns:p14="http://schemas.microsoft.com/office/powerpoint/2010/main" val="1157961997"/>
+      </p:ext>
+    </p:extLst>
+  </p:cSld>
+  <p:clrMapOvr>
+    <a:masterClrMapping/>
+  </p:clrMapOvr>
+</p:sld>
+</file>
+
 <file path=ppt/slides/slide5.xml><?xml version="1.0" encoding="utf-8"?>
 <p:sld xmlns:a="http://schemas.openxmlformats.org/drawingml/2006/main" xmlns:r="http://schemas.openxmlformats.org/officeDocument/2006/relationships" xmlns:p="http://schemas.openxmlformats.org/presentationml/2006/main">
   <p:cSld>
@@ -13702,7 +14995,7 @@
           <a:graphicData uri="http://schemas.openxmlformats.org/presentationml/2006/ole">
             <mc:AlternateContent xmlns:mc="http://schemas.openxmlformats.org/markup-compatibility/2006">
               <mc:Choice xmlns:v="urn:schemas-microsoft-com:vml" Requires="v">
-                <p:oleObj spid="_x0000_s1080" name="工作表" r:id="rId3" imgW="8273988" imgH="3339925" progId="Excel.Sheet.12">
+                <p:oleObj spid="_x0000_s1086" name="工作表" r:id="rId3" imgW="8273988" imgH="3339925" progId="Excel.Sheet.12">
                   <p:embed/>
                 </p:oleObj>
               </mc:Choice>
